--- a/help session/week10/week10Internet.pptx
+++ b/help session/week10/week10Internet.pptx
@@ -7709,7 +7709,7 @@
         <p:spPr>
           <a:xfrm>
             <a:off x="628075" y="1289795"/>
-            <a:ext cx="12561453" cy="5942278"/>
+            <a:ext cx="12561453" cy="6719981"/>
           </a:xfrm>
         </p:spPr>
         <p:txBody>
@@ -7745,17 +7745,13 @@
           <a:p>
             <a:r>
               <a:rPr lang="en-US" dirty="0"/>
-              <a:t>Write a loop that counts the ‘number of changes’ in the string. For example</a:t>
-            </a:r>
-          </a:p>
-          <a:p>
-            <a:r>
-              <a:rPr lang="en-US" dirty="0" err="1"/>
-              <a:t>aaa</a:t>
-            </a:r>
-            <a:r>
-              <a:rPr lang="en-US" dirty="0"/>
-              <a:t> </a:t>
+              <a:t>Write a loop that counts the ‘number of changes’ in an array. For example</a:t>
+            </a:r>
+          </a:p>
+          <a:p>
+            <a:r>
+              <a:rPr lang="en-US" dirty="0"/>
+              <a:t>[a, a, a] </a:t>
             </a:r>
           </a:p>
           <a:p>
@@ -7767,12 +7763,8 @@
           </a:p>
           <a:p>
             <a:r>
-              <a:rPr lang="en-US" dirty="0" err="1"/>
-              <a:t>aab</a:t>
-            </a:r>
-            <a:r>
-              <a:rPr lang="en-US" dirty="0"/>
-              <a:t> </a:t>
+              <a:rPr lang="en-US" dirty="0"/>
+              <a:t>[a, a, b] </a:t>
             </a:r>
           </a:p>
           <a:p>
@@ -7785,7 +7777,7 @@
           <a:p>
             <a:r>
               <a:rPr lang="en-US" dirty="0"/>
-              <a:t>abba</a:t>
+              <a:t>[a, b, b, a]</a:t>
             </a:r>
           </a:p>
           <a:p>

--- a/help session/week10/week10Internet.pptx
+++ b/help session/week10/week10Internet.pptx
@@ -220,7 +220,7 @@
           <a:p>
             <a:fld id="{4D7E51A5-B478-1E40-8CBB-0DAA8831E99D}" type="datetimeFigureOut">
               <a:rPr lang="en-US" smtClean="0"/>
-              <a:t>10/25/20</a:t>
+              <a:t>10/26/20</a:t>
             </a:fld>
             <a:endParaRPr lang="en-US"/>
           </a:p>
@@ -385,7 +385,7 @@
           <a:p>
             <a:fld id="{D0ED587F-861E-6740-9643-E3DDAE89B8D6}" type="datetimeFigureOut">
               <a:rPr lang="en-US" smtClean="0"/>
-              <a:t>10/25/20</a:t>
+              <a:t>10/26/20</a:t>
             </a:fld>
             <a:endParaRPr lang="en-US"/>
           </a:p>
@@ -7441,9 +7441,7 @@
             <a:ext cx="12561453" cy="5068054"/>
           </a:xfrm>
           <a:ln>
-            <a:solidFill>
-              <a:schemeClr val="accent1"/>
-            </a:solidFill>
+            <a:noFill/>
           </a:ln>
         </p:spPr>
         <p:txBody>
@@ -7745,13 +7743,13 @@
           <a:p>
             <a:r>
               <a:rPr lang="en-US" dirty="0"/>
-              <a:t>Write a loop that counts the ‘number of changes’ in an array. For example</a:t>
-            </a:r>
-          </a:p>
-          <a:p>
-            <a:r>
-              <a:rPr lang="en-US" dirty="0"/>
-              <a:t>[a, a, a] </a:t>
+              <a:t>Write a loop that counts the ‘number of changes’ in a String array. For example</a:t>
+            </a:r>
+          </a:p>
+          <a:p>
+            <a:r>
+              <a:rPr lang="en-US" dirty="0"/>
+              <a:t>[“a”, “a”, “a”] </a:t>
             </a:r>
           </a:p>
           <a:p>
@@ -7764,7 +7762,7 @@
           <a:p>
             <a:r>
               <a:rPr lang="en-US" dirty="0"/>
-              <a:t>[a, a, b] </a:t>
+              <a:t>[“aa”, “aa”, “ab”] </a:t>
             </a:r>
           </a:p>
           <a:p>
@@ -7777,20 +7775,28 @@
           <a:p>
             <a:r>
               <a:rPr lang="en-US" dirty="0"/>
-              <a:t>[a, b, b, a]</a:t>
+              <a:t>[“aa”, “bb”, “</a:t>
+            </a:r>
+            <a:r>
+              <a:rPr lang="en-US" dirty="0" err="1"/>
+              <a:t>ba</a:t>
+            </a:r>
+            <a:r>
+              <a:rPr lang="en-US" dirty="0"/>
+              <a:t>”, “aa”]</a:t>
             </a:r>
           </a:p>
           <a:p>
             <a:pPr lvl="1"/>
             <a:r>
               <a:rPr lang="en-US" dirty="0"/>
-              <a:t>2 changes</a:t>
-            </a:r>
-          </a:p>
-          <a:p>
-            <a:r>
-              <a:rPr lang="en-US" dirty="0"/>
-              <a:t>To do this you must look at the ‘previous’ or last character! </a:t>
+              <a:t>3 changes</a:t>
+            </a:r>
+          </a:p>
+          <a:p>
+            <a:r>
+              <a:rPr lang="en-US" dirty="0"/>
+              <a:t>To do this you must look at the ‘previous’ or last String! </a:t>
             </a:r>
           </a:p>
           <a:p>

--- a/help session/week10/week10Internet.pptx
+++ b/help session/week10/week10Internet.pptx
@@ -5,10 +5,10 @@
     <p:sldMasterId id="2147483648" r:id="rId1"/>
   </p:sldMasterIdLst>
   <p:notesMasterIdLst>
-    <p:notesMasterId r:id="rId9"/>
+    <p:notesMasterId r:id="rId11"/>
   </p:notesMasterIdLst>
   <p:handoutMasterIdLst>
-    <p:handoutMasterId r:id="rId10"/>
+    <p:handoutMasterId r:id="rId12"/>
   </p:handoutMasterIdLst>
   <p:sldIdLst>
     <p:sldId id="256" r:id="rId2"/>
@@ -17,7 +17,9 @@
     <p:sldId id="259" r:id="rId5"/>
     <p:sldId id="260" r:id="rId6"/>
     <p:sldId id="261" r:id="rId7"/>
-    <p:sldId id="263" r:id="rId8"/>
+    <p:sldId id="265" r:id="rId8"/>
+    <p:sldId id="264" r:id="rId9"/>
+    <p:sldId id="263" r:id="rId10"/>
   </p:sldIdLst>
   <p:sldSz cx="13817600" cy="7772400"/>
   <p:notesSz cx="6858000" cy="9144000"/>
@@ -220,7 +222,7 @@
           <a:p>
             <a:fld id="{4D7E51A5-B478-1E40-8CBB-0DAA8831E99D}" type="datetimeFigureOut">
               <a:rPr lang="en-US" smtClean="0"/>
-              <a:t>10/26/20</a:t>
+              <a:t>3/22/21</a:t>
             </a:fld>
             <a:endParaRPr lang="en-US"/>
           </a:p>
@@ -385,7 +387,7 @@
           <a:p>
             <a:fld id="{D0ED587F-861E-6740-9643-E3DDAE89B8D6}" type="datetimeFigureOut">
               <a:rPr lang="en-US" smtClean="0"/>
-              <a:t>10/26/20</a:t>
+              <a:t>3/22/21</a:t>
             </a:fld>
             <a:endParaRPr lang="en-US"/>
           </a:p>
@@ -7928,6 +7930,206 @@
 </file>
 
 <file path=ppt/slides/slide7.xml><?xml version="1.0" encoding="utf-8"?>
+<p:sld xmlns:a="http://schemas.openxmlformats.org/drawingml/2006/main" xmlns:r="http://schemas.openxmlformats.org/officeDocument/2006/relationships" xmlns:p="http://schemas.openxmlformats.org/presentationml/2006/main">
+  <p:cSld>
+    <p:spTree>
+      <p:nvGrpSpPr>
+        <p:cNvPr id="1" name=""/>
+        <p:cNvGrpSpPr/>
+        <p:nvPr/>
+      </p:nvGrpSpPr>
+      <p:grpSpPr>
+        <a:xfrm>
+          <a:off x="0" y="0"/>
+          <a:ext cx="0" cy="0"/>
+          <a:chOff x="0" y="0"/>
+          <a:chExt cx="0" cy="0"/>
+        </a:xfrm>
+      </p:grpSpPr>
+      <p:sp>
+        <p:nvSpPr>
+          <p:cNvPr id="2" name="Title 1">
+            <a:extLst>
+              <a:ext uri="{FF2B5EF4-FFF2-40B4-BE49-F238E27FC236}">
+                <a16:creationId xmlns:a16="http://schemas.microsoft.com/office/drawing/2014/main" id="{B1668226-61B7-E946-87FB-CC181AF3FAE4}"/>
+              </a:ext>
+            </a:extLst>
+          </p:cNvPr>
+          <p:cNvSpPr>
+            <a:spLocks noGrp="1"/>
+          </p:cNvSpPr>
+          <p:nvPr>
+            <p:ph type="title"/>
+          </p:nvPr>
+        </p:nvSpPr>
+        <p:spPr/>
+        <p:txBody>
+          <a:bodyPr/>
+          <a:lstStyle/>
+          <a:p>
+            <a:r>
+              <a:rPr lang="en-US" dirty="0"/>
+              <a:t>Knowledge Check</a:t>
+            </a:r>
+          </a:p>
+        </p:txBody>
+      </p:sp>
+      <p:pic>
+        <p:nvPicPr>
+          <p:cNvPr id="4" name="Picture 3">
+            <a:extLst>
+              <a:ext uri="{FF2B5EF4-FFF2-40B4-BE49-F238E27FC236}">
+                <a16:creationId xmlns:a16="http://schemas.microsoft.com/office/drawing/2014/main" id="{2F8251AC-91B5-554D-85C3-D0CDAE5F00DD}"/>
+              </a:ext>
+            </a:extLst>
+          </p:cNvPr>
+          <p:cNvPicPr>
+            <a:picLocks noChangeAspect="1"/>
+          </p:cNvPicPr>
+          <p:nvPr/>
+        </p:nvPicPr>
+        <p:blipFill>
+          <a:blip r:embed="rId2"/>
+          <a:stretch>
+            <a:fillRect/>
+          </a:stretch>
+        </p:blipFill>
+        <p:spPr>
+          <a:xfrm>
+            <a:off x="413402" y="2040066"/>
+            <a:ext cx="12990795" cy="3940604"/>
+          </a:xfrm>
+          <a:prstGeom prst="rect">
+            <a:avLst/>
+          </a:prstGeom>
+        </p:spPr>
+      </p:pic>
+    </p:spTree>
+    <p:extLst>
+      <p:ext uri="{BB962C8B-B14F-4D97-AF65-F5344CB8AC3E}">
+        <p14:creationId xmlns:p14="http://schemas.microsoft.com/office/powerpoint/2010/main" val="1793102875"/>
+      </p:ext>
+    </p:extLst>
+  </p:cSld>
+  <p:clrMapOvr>
+    <a:masterClrMapping/>
+  </p:clrMapOvr>
+  <mc:AlternateContent xmlns:mc="http://schemas.openxmlformats.org/markup-compatibility/2006" xmlns:p14="http://schemas.microsoft.com/office/powerpoint/2010/main">
+    <mc:Choice Requires="p14">
+      <p:transition p14:dur="300">
+        <p:fade/>
+      </p:transition>
+    </mc:Choice>
+    <mc:Fallback xmlns="">
+      <p:transition>
+        <p:fade/>
+      </p:transition>
+    </mc:Fallback>
+  </mc:AlternateContent>
+</p:sld>
+</file>
+
+<file path=ppt/slides/slide8.xml><?xml version="1.0" encoding="utf-8"?>
+<p:sld xmlns:a="http://schemas.openxmlformats.org/drawingml/2006/main" xmlns:r="http://schemas.openxmlformats.org/officeDocument/2006/relationships" xmlns:p="http://schemas.openxmlformats.org/presentationml/2006/main">
+  <p:cSld>
+    <p:spTree>
+      <p:nvGrpSpPr>
+        <p:cNvPr id="1" name=""/>
+        <p:cNvGrpSpPr/>
+        <p:nvPr/>
+      </p:nvGrpSpPr>
+      <p:grpSpPr>
+        <a:xfrm>
+          <a:off x="0" y="0"/>
+          <a:ext cx="0" cy="0"/>
+          <a:chOff x="0" y="0"/>
+          <a:chExt cx="0" cy="0"/>
+        </a:xfrm>
+      </p:grpSpPr>
+      <p:sp>
+        <p:nvSpPr>
+          <p:cNvPr id="2" name="Title 1">
+            <a:extLst>
+              <a:ext uri="{FF2B5EF4-FFF2-40B4-BE49-F238E27FC236}">
+                <a16:creationId xmlns:a16="http://schemas.microsoft.com/office/drawing/2014/main" id="{1C357CB4-0B4E-0B42-8D04-06797C4899F3}"/>
+              </a:ext>
+            </a:extLst>
+          </p:cNvPr>
+          <p:cNvSpPr>
+            <a:spLocks noGrp="1"/>
+          </p:cNvSpPr>
+          <p:nvPr>
+            <p:ph type="title"/>
+          </p:nvPr>
+        </p:nvSpPr>
+        <p:spPr/>
+        <p:txBody>
+          <a:bodyPr/>
+          <a:lstStyle/>
+          <a:p>
+            <a:r>
+              <a:rPr lang="en-US" dirty="0"/>
+              <a:t>Knowledge Check</a:t>
+            </a:r>
+          </a:p>
+        </p:txBody>
+      </p:sp>
+      <p:pic>
+        <p:nvPicPr>
+          <p:cNvPr id="4" name="Picture 3">
+            <a:extLst>
+              <a:ext uri="{FF2B5EF4-FFF2-40B4-BE49-F238E27FC236}">
+                <a16:creationId xmlns:a16="http://schemas.microsoft.com/office/drawing/2014/main" id="{571292E9-6B80-8C4E-A47D-92272FFE832D}"/>
+              </a:ext>
+            </a:extLst>
+          </p:cNvPr>
+          <p:cNvPicPr>
+            <a:picLocks noChangeAspect="1"/>
+          </p:cNvPicPr>
+          <p:nvPr/>
+        </p:nvPicPr>
+        <p:blipFill>
+          <a:blip r:embed="rId2"/>
+          <a:stretch>
+            <a:fillRect/>
+          </a:stretch>
+        </p:blipFill>
+        <p:spPr>
+          <a:xfrm>
+            <a:off x="1719771" y="1845619"/>
+            <a:ext cx="10960492" cy="4740532"/>
+          </a:xfrm>
+          <a:prstGeom prst="rect">
+            <a:avLst/>
+          </a:prstGeom>
+        </p:spPr>
+      </p:pic>
+    </p:spTree>
+    <p:extLst>
+      <p:ext uri="{BB962C8B-B14F-4D97-AF65-F5344CB8AC3E}">
+        <p14:creationId xmlns:p14="http://schemas.microsoft.com/office/powerpoint/2010/main" val="4240672030"/>
+      </p:ext>
+    </p:extLst>
+  </p:cSld>
+  <p:clrMapOvr>
+    <a:masterClrMapping/>
+  </p:clrMapOvr>
+  <mc:AlternateContent xmlns:mc="http://schemas.openxmlformats.org/markup-compatibility/2006" xmlns:p14="http://schemas.microsoft.com/office/powerpoint/2010/main">
+    <mc:Choice Requires="p14">
+      <p:transition p14:dur="300">
+        <p:fade/>
+      </p:transition>
+    </mc:Choice>
+    <mc:Fallback xmlns="">
+      <p:transition>
+        <p:fade/>
+      </p:transition>
+    </mc:Fallback>
+  </mc:AlternateContent>
+</p:sld>
+</file>
+
+<file path=ppt/slides/slide9.xml><?xml version="1.0" encoding="utf-8"?>
 <p:sld xmlns:a="http://schemas.openxmlformats.org/drawingml/2006/main" xmlns:r="http://schemas.openxmlformats.org/officeDocument/2006/relationships" xmlns:p="http://schemas.openxmlformats.org/presentationml/2006/main">
   <p:cSld>
     <p:spTree>
